--- a/GithubBlogAndLatex.pptx
+++ b/GithubBlogAndLatex.pptx
@@ -274,7 +274,7 @@
           <a:p>
             <a:fld id="{19DEAE4A-A09C-4E7B-B24F-46F0D09F3E4E}" type="datetimeFigureOut">
               <a:rPr lang="ko-KR" altLang="en-US" smtClean="0"/>
-              <a:t>2020-02-15</a:t>
+              <a:t>2020-02-22</a:t>
             </a:fld>
             <a:endParaRPr lang="ko-KR" altLang="en-US"/>
           </a:p>
@@ -440,7 +440,7 @@
           <a:p>
             <a:fld id="{ECE87483-C397-43F3-ABB1-B8D09FEC7C42}" type="datetimeFigureOut">
               <a:rPr lang="ko-KR" altLang="en-US" smtClean="0"/>
-              <a:t>2020-02-15</a:t>
+              <a:t>2020-02-22</a:t>
             </a:fld>
             <a:endParaRPr lang="ko-KR" altLang="en-US"/>
           </a:p>
@@ -9022,21 +9022,21 @@
                 <a:gridCol w="3817782">
                   <a:extLst>
                     <a:ext uri="{9D8B030D-6E8A-4147-A177-3AD203B41FA5}">
-                      <a16:colId xmlns:a16="http://schemas.microsoft.com/office/drawing/2014/main" val="20000"/>
+                      <a16:colId xmlns:a16="http://schemas.microsoft.com/office/drawing/2014/main" xmlns="" val="20000"/>
                     </a:ext>
                   </a:extLst>
                 </a:gridCol>
                 <a:gridCol w="4187109">
                   <a:extLst>
                     <a:ext uri="{9D8B030D-6E8A-4147-A177-3AD203B41FA5}">
-                      <a16:colId xmlns:a16="http://schemas.microsoft.com/office/drawing/2014/main" val="20001"/>
+                      <a16:colId xmlns:a16="http://schemas.microsoft.com/office/drawing/2014/main" xmlns="" val="20001"/>
                     </a:ext>
                   </a:extLst>
                 </a:gridCol>
                 <a:gridCol w="4187107">
                   <a:extLst>
                     <a:ext uri="{9D8B030D-6E8A-4147-A177-3AD203B41FA5}">
-                      <a16:colId xmlns:a16="http://schemas.microsoft.com/office/drawing/2014/main" val="20002"/>
+                      <a16:colId xmlns:a16="http://schemas.microsoft.com/office/drawing/2014/main" xmlns="" val="20002"/>
                     </a:ext>
                   </a:extLst>
                 </a:gridCol>
@@ -9174,7 +9174,7 @@
                 </a:tc>
                 <a:extLst>
                   <a:ext uri="{0D108BD9-81ED-4DB2-BD59-A6C34878D82A}">
-                    <a16:rowId xmlns:a16="http://schemas.microsoft.com/office/drawing/2014/main" val="10000"/>
+                    <a16:rowId xmlns:a16="http://schemas.microsoft.com/office/drawing/2014/main" xmlns="" val="10000"/>
                   </a:ext>
                 </a:extLst>
               </a:tr>
@@ -9314,7 +9314,7 @@
                 </a:tc>
                 <a:extLst>
                   <a:ext uri="{0D108BD9-81ED-4DB2-BD59-A6C34878D82A}">
-                    <a16:rowId xmlns:a16="http://schemas.microsoft.com/office/drawing/2014/main" val="10001"/>
+                    <a16:rowId xmlns:a16="http://schemas.microsoft.com/office/drawing/2014/main" xmlns="" val="10001"/>
                   </a:ext>
                 </a:extLst>
               </a:tr>
@@ -9506,7 +9506,7 @@
                 </a:tc>
                 <a:extLst>
                   <a:ext uri="{0D108BD9-81ED-4DB2-BD59-A6C34878D82A}">
-                    <a16:rowId xmlns:a16="http://schemas.microsoft.com/office/drawing/2014/main" val="10002"/>
+                    <a16:rowId xmlns:a16="http://schemas.microsoft.com/office/drawing/2014/main" xmlns="" val="10002"/>
                   </a:ext>
                 </a:extLst>
               </a:tr>
@@ -9735,7 +9735,7 @@
                 </a:tc>
                 <a:extLst>
                   <a:ext uri="{0D108BD9-81ED-4DB2-BD59-A6C34878D82A}">
-                    <a16:rowId xmlns:a16="http://schemas.microsoft.com/office/drawing/2014/main" val="10003"/>
+                    <a16:rowId xmlns:a16="http://schemas.microsoft.com/office/drawing/2014/main" xmlns="" val="10003"/>
                   </a:ext>
                 </a:extLst>
               </a:tr>
@@ -18850,7 +18850,7 @@
         </p:spPr>
         <p:txBody>
           <a:bodyPr wrap="square" rtlCol="0" anchor="t">
-            <a:normAutofit lnSpcReduction="10000"/>
+            <a:normAutofit fontScale="92500" lnSpcReduction="10000"/>
           </a:bodyPr>
           <a:lstStyle/>
           <a:p>
@@ -18952,19 +18952,7 @@
               <a:rPr lang="en-US" altLang="ko-KR" sz="2800" dirty="0">
                 <a:hlinkClick r:id="rId2"/>
               </a:rPr>
-              <a:t>https</a:t>
-            </a:r>
-            <a:r>
-              <a:rPr lang="en-US" altLang="ko-KR" sz="2800">
-                <a:hlinkClick r:id="rId2"/>
-              </a:rPr>
-              <a:t>://</a:t>
-            </a:r>
-            <a:r>
-              <a:rPr lang="en-US" altLang="ko-KR" sz="2800" smtClean="0">
-                <a:hlinkClick r:id="rId2"/>
-              </a:rPr>
-              <a:t>github.com/EeeUnS/TEX</a:t>
+              <a:t>https://github.com/EeeUnS/github-blog-and-latex</a:t>
             </a:r>
             <a:endParaRPr lang="ko-KR" altLang="en-US" sz="2500" dirty="0" smtClean="0"/>
           </a:p>
